--- a/Week12/Week 12 - 05. What to do when.pptx
+++ b/Week12/Week 12 - 05. What to do when.pptx
@@ -115,6 +115,35 @@
 </p:presentation>
 </file>
 
+<file path=ppt/changesInfos/changesInfo1.xml><?xml version="1.0" encoding="utf-8"?>
+<pc:chgInfo xmlns:a="http://schemas.openxmlformats.org/drawingml/2006/main" xmlns:r="http://schemas.openxmlformats.org/officeDocument/2006/relationships" xmlns:ac="http://schemas.microsoft.com/office/drawing/2013/main/command" xmlns:pc="http://schemas.microsoft.com/office/powerpoint/2013/main/command">
+  <pc:docChgLst>
+    <pc:chgData name="Chuck Kiefriter" userId="a996b49251c4dfd2" providerId="LiveId" clId="{FD86CD5D-2B98-41DD-9AB3-B1ED6571E5CD}"/>
+    <pc:docChg chg="modSld">
+      <pc:chgData name="Chuck Kiefriter" userId="a996b49251c4dfd2" providerId="LiveId" clId="{FD86CD5D-2B98-41DD-9AB3-B1ED6571E5CD}" dt="2024-03-06T00:35:23.956" v="0" actId="14100"/>
+      <pc:docMkLst>
+        <pc:docMk/>
+      </pc:docMkLst>
+      <pc:sldChg chg="modSp mod">
+        <pc:chgData name="Chuck Kiefriter" userId="a996b49251c4dfd2" providerId="LiveId" clId="{FD86CD5D-2B98-41DD-9AB3-B1ED6571E5CD}" dt="2024-03-06T00:35:23.956" v="0" actId="14100"/>
+        <pc:sldMkLst>
+          <pc:docMk/>
+          <pc:sldMk cId="592227074" sldId="258"/>
+        </pc:sldMkLst>
+        <pc:spChg chg="mod">
+          <ac:chgData name="Chuck Kiefriter" userId="a996b49251c4dfd2" providerId="LiveId" clId="{FD86CD5D-2B98-41DD-9AB3-B1ED6571E5CD}" dt="2024-03-06T00:35:23.956" v="0" actId="14100"/>
+          <ac:spMkLst>
+            <pc:docMk/>
+            <pc:sldMk cId="592227074" sldId="258"/>
+            <ac:spMk id="3" creationId="{EEAA17F2-7606-4A2F-B321-5C848144768D}"/>
+          </ac:spMkLst>
+        </pc:spChg>
+      </pc:sldChg>
+    </pc:docChg>
+  </pc:docChgLst>
+</pc:chgInfo>
+</file>
+
 <file path=ppt/slideLayouts/slideLayout1.xml><?xml version="1.0" encoding="utf-8"?>
 <p:sldLayout xmlns:a="http://schemas.openxmlformats.org/drawingml/2006/main" xmlns:r="http://schemas.openxmlformats.org/officeDocument/2006/relationships" xmlns:p="http://schemas.openxmlformats.org/presentationml/2006/main" showMasterSp="0" type="title" preserve="1">
   <p:cSld name="Title Slide">
@@ -311,7 +340,7 @@
           <a:p>
             <a:fld id="{548C5E67-172B-4F6A-B3B9-DEF72F952E5B}" type="datetimeFigureOut">
               <a:rPr lang="en-US" smtClean="0"/>
-              <a:t>8/10/2021</a:t>
+              <a:t>3/5/2024</a:t>
             </a:fld>
             <a:endParaRPr lang="en-US"/>
           </a:p>
@@ -535,7 +564,7 @@
           <a:p>
             <a:fld id="{548C5E67-172B-4F6A-B3B9-DEF72F952E5B}" type="datetimeFigureOut">
               <a:rPr lang="en-US" smtClean="0"/>
-              <a:t>8/10/2021</a:t>
+              <a:t>3/5/2024</a:t>
             </a:fld>
             <a:endParaRPr lang="en-US"/>
           </a:p>
@@ -715,7 +744,7 @@
           <a:p>
             <a:fld id="{548C5E67-172B-4F6A-B3B9-DEF72F952E5B}" type="datetimeFigureOut">
               <a:rPr lang="en-US" smtClean="0"/>
-              <a:t>8/10/2021</a:t>
+              <a:t>3/5/2024</a:t>
             </a:fld>
             <a:endParaRPr lang="en-US"/>
           </a:p>
@@ -924,7 +953,7 @@
           <a:p>
             <a:fld id="{548C5E67-172B-4F6A-B3B9-DEF72F952E5B}" type="datetimeFigureOut">
               <a:rPr lang="en-US" smtClean="0"/>
-              <a:t>8/10/2021</a:t>
+              <a:t>3/5/2024</a:t>
             </a:fld>
             <a:endParaRPr lang="en-US"/>
           </a:p>
@@ -1217,7 +1246,7 @@
           <a:p>
             <a:fld id="{548C5E67-172B-4F6A-B3B9-DEF72F952E5B}" type="datetimeFigureOut">
               <a:rPr lang="en-US" smtClean="0"/>
-              <a:t>8/10/2021</a:t>
+              <a:t>3/5/2024</a:t>
             </a:fld>
             <a:endParaRPr lang="en-US"/>
           </a:p>
@@ -1570,7 +1599,7 @@
           <a:p>
             <a:fld id="{548C5E67-172B-4F6A-B3B9-DEF72F952E5B}" type="datetimeFigureOut">
               <a:rPr lang="en-US" smtClean="0"/>
-              <a:t>8/10/2021</a:t>
+              <a:t>3/5/2024</a:t>
             </a:fld>
             <a:endParaRPr lang="en-US"/>
           </a:p>
@@ -2006,7 +2035,7 @@
           <a:p>
             <a:fld id="{548C5E67-172B-4F6A-B3B9-DEF72F952E5B}" type="datetimeFigureOut">
               <a:rPr lang="en-US" smtClean="0"/>
-              <a:t>8/10/2021</a:t>
+              <a:t>3/5/2024</a:t>
             </a:fld>
             <a:endParaRPr lang="en-US"/>
           </a:p>
@@ -2129,7 +2158,7 @@
           <a:p>
             <a:fld id="{548C5E67-172B-4F6A-B3B9-DEF72F952E5B}" type="datetimeFigureOut">
               <a:rPr lang="en-US" smtClean="0"/>
-              <a:t>8/10/2021</a:t>
+              <a:t>3/5/2024</a:t>
             </a:fld>
             <a:endParaRPr lang="en-US"/>
           </a:p>
@@ -2224,7 +2253,7 @@
           <a:p>
             <a:fld id="{548C5E67-172B-4F6A-B3B9-DEF72F952E5B}" type="datetimeFigureOut">
               <a:rPr lang="en-US" smtClean="0"/>
-              <a:t>8/10/2021</a:t>
+              <a:t>3/5/2024</a:t>
             </a:fld>
             <a:endParaRPr lang="en-US"/>
           </a:p>
@@ -2523,7 +2552,7 @@
           <a:p>
             <a:fld id="{548C5E67-172B-4F6A-B3B9-DEF72F952E5B}" type="datetimeFigureOut">
               <a:rPr lang="en-US" smtClean="0"/>
-              <a:t>8/10/2021</a:t>
+              <a:t>3/5/2024</a:t>
             </a:fld>
             <a:endParaRPr lang="en-US"/>
           </a:p>
@@ -2800,7 +2829,7 @@
           <a:p>
             <a:fld id="{548C5E67-172B-4F6A-B3B9-DEF72F952E5B}" type="datetimeFigureOut">
               <a:rPr lang="en-US" smtClean="0"/>
-              <a:t>8/10/2021</a:t>
+              <a:t>3/5/2024</a:t>
             </a:fld>
             <a:endParaRPr lang="en-US"/>
           </a:p>
@@ -3050,7 +3079,7 @@
           <a:p>
             <a:fld id="{548C5E67-172B-4F6A-B3B9-DEF72F952E5B}" type="datetimeFigureOut">
               <a:rPr lang="en-US" smtClean="0"/>
-              <a:t>8/10/2021</a:t>
+              <a:t>3/5/2024</a:t>
             </a:fld>
             <a:endParaRPr lang="en-US"/>
           </a:p>
@@ -3780,7 +3809,12 @@
             <p:ph idx="1"/>
           </p:nvPr>
         </p:nvSpPr>
-        <p:spPr/>
+        <p:spPr>
+          <a:xfrm>
+            <a:off x="1261872" y="1828800"/>
+            <a:ext cx="7086600" cy="4351337"/>
+          </a:xfrm>
+        </p:spPr>
         <p:txBody>
           <a:bodyPr/>
           <a:lstStyle/>
